--- a/Lessons/sapthaKakaaraaha/aagachchati/7k-aagachchati.pptx
+++ b/Lessons/sapthaKakaaraaha/aagachchati/7k-aagachchati.pptx
@@ -11022,7 +11022,7 @@
                   <a:srgbClr val="990000"/>
                 </a:solidFill>
               </a:rPr>
-              <a:t>వస్తున్నాను</a:t>
+              <a:t>వస్తున్నాము</a:t>
             </a:r>
             <a:r>
               <a:rPr lang="en" sz="2100">

--- a/Lessons/sapthaKakaaraaha/aagachchati/7k-aagachchati.pptx
+++ b/Lessons/sapthaKakaaraaha/aagachchati/7k-aagachchati.pptx
@@ -11186,7 +11186,7 @@
                   <a:srgbClr val="38761D"/>
                 </a:solidFill>
               </a:rPr>
-              <a:t>मध्याह्णकाले सार्धैकवादने आगच्छामि </a:t>
+              <a:t>अपराह्णे सार्धैकवादने आगच्छामि </a:t>
             </a:r>
             <a:r>
               <a:rPr lang="en" sz="2100">
@@ -11210,7 +11210,7 @@
                   <a:srgbClr val="38761D"/>
                 </a:solidFill>
               </a:rPr>
-              <a:t>మద్యాహ్నం ఒకటిన్నరకి వస్తున్నాను </a:t>
+              <a:t>మధ్యాహ్నం(అపరాహ్ణం) ఒకటిన్నరకి వస్తున్నాను </a:t>
             </a:r>
             <a:endParaRPr sz="2100">
               <a:solidFill>
@@ -11291,7 +11291,23 @@
                   <a:srgbClr val="BF9000"/>
                 </a:solidFill>
               </a:rPr>
-              <a:t>मध्याह्णकाले सार्धैकवादने</a:t>
+              <a:t>अपराह्णे</a:t>
+            </a:r>
+            <a:r>
+              <a:rPr lang="en" sz="2100">
+                <a:solidFill>
+                  <a:srgbClr val="BF9000"/>
+                </a:solidFill>
+              </a:rPr>
+              <a:t> </a:t>
+            </a:r>
+            <a:r>
+              <a:rPr lang="en" sz="2100">
+                <a:solidFill>
+                  <a:srgbClr val="BF9000"/>
+                </a:solidFill>
+              </a:rPr>
+              <a:t>सार्धैकवादने</a:t>
             </a:r>
             <a:r>
               <a:rPr lang="en" sz="2100">
@@ -11331,7 +11347,23 @@
                   <a:srgbClr val="38761D"/>
                 </a:solidFill>
               </a:rPr>
-              <a:t>నేను మధ్యాహ్నం ఒకటిన్నరకి విద్యాలయానికి  వస్తున్నాను </a:t>
+              <a:t>నేను </a:t>
+            </a:r>
+            <a:r>
+              <a:rPr lang="en" sz="2100">
+                <a:solidFill>
+                  <a:srgbClr val="38761D"/>
+                </a:solidFill>
+              </a:rPr>
+              <a:t>మధ్యాహ్నం(అపరాహ్ణం) </a:t>
+            </a:r>
+            <a:r>
+              <a:rPr lang="en" sz="2100">
+                <a:solidFill>
+                  <a:srgbClr val="38761D"/>
+                </a:solidFill>
+              </a:rPr>
+              <a:t>ఒకటిన్నరకి విద్యాలయానికి  వస్తున్నాను </a:t>
             </a:r>
             <a:endParaRPr sz="2100">
               <a:solidFill>
